--- a/Presentation.pptx
+++ b/Presentation.pptx
@@ -6,8 +6,9 @@
   </p:sldMasterIdLst>
   <p:sldIdLst>
     <p:sldId id="256" r:id="rId2"/>
-    <p:sldId id="257" r:id="rId3"/>
-    <p:sldId id="258" r:id="rId4"/>
+    <p:sldId id="259" r:id="rId3"/>
+    <p:sldId id="257" r:id="rId4"/>
+    <p:sldId id="258" r:id="rId5"/>
   </p:sldIdLst>
   <p:sldSz cx="12192000" cy="6858000"/>
   <p:notesSz cx="6858000" cy="9144000"/>
@@ -3593,6 +3594,92 @@
       </p:grpSpPr>
       <p:sp>
         <p:nvSpPr>
+          <p:cNvPr id="2" name="Title 1">
+            <a:extLst>
+              <a:ext uri="{FF2B5EF4-FFF2-40B4-BE49-F238E27FC236}">
+                <a16:creationId xmlns:a16="http://schemas.microsoft.com/office/drawing/2014/main" id="{50D4016E-2FE5-6CD8-3505-4E7FD88E29DD}"/>
+              </a:ext>
+            </a:extLst>
+          </p:cNvPr>
+          <p:cNvSpPr>
+            <a:spLocks noGrp="1"/>
+          </p:cNvSpPr>
+          <p:nvPr>
+            <p:ph type="title"/>
+          </p:nvPr>
+        </p:nvSpPr>
+        <p:spPr/>
+        <p:txBody>
+          <a:bodyPr/>
+          <a:lstStyle/>
+          <a:p>
+            <a:r>
+              <a:rPr lang="en-US" dirty="0"/>
+              <a:t>Problem</a:t>
+            </a:r>
+          </a:p>
+        </p:txBody>
+      </p:sp>
+      <p:sp>
+        <p:nvSpPr>
+          <p:cNvPr id="3" name="Content Placeholder 2">
+            <a:extLst>
+              <a:ext uri="{FF2B5EF4-FFF2-40B4-BE49-F238E27FC236}">
+                <a16:creationId xmlns:a16="http://schemas.microsoft.com/office/drawing/2014/main" id="{6A24BBA1-8A2B-A5BB-4B9B-0F611AC3FCAB}"/>
+              </a:ext>
+            </a:extLst>
+          </p:cNvPr>
+          <p:cNvSpPr>
+            <a:spLocks noGrp="1"/>
+          </p:cNvSpPr>
+          <p:nvPr>
+            <p:ph idx="1"/>
+          </p:nvPr>
+        </p:nvSpPr>
+        <p:spPr/>
+        <p:txBody>
+          <a:bodyPr/>
+          <a:lstStyle/>
+          <a:p>
+            <a:r>
+              <a:rPr lang="en-US" dirty="0"/>
+              <a:t>Given a set of clinical records, can we predict the probability of heart failure?</a:t>
+            </a:r>
+          </a:p>
+        </p:txBody>
+      </p:sp>
+    </p:spTree>
+    <p:extLst>
+      <p:ext uri="{BB962C8B-B14F-4D97-AF65-F5344CB8AC3E}">
+        <p14:creationId xmlns:p14="http://schemas.microsoft.com/office/powerpoint/2010/main" val="265675931"/>
+      </p:ext>
+    </p:extLst>
+  </p:cSld>
+  <p:clrMapOvr>
+    <a:masterClrMapping/>
+  </p:clrMapOvr>
+</p:sld>
+</file>
+
+<file path=ppt/slides/slide3.xml><?xml version="1.0" encoding="utf-8"?>
+<p:sld xmlns:a="http://schemas.openxmlformats.org/drawingml/2006/main" xmlns:r="http://schemas.openxmlformats.org/officeDocument/2006/relationships" xmlns:p="http://schemas.openxmlformats.org/presentationml/2006/main">
+  <p:cSld>
+    <p:spTree>
+      <p:nvGrpSpPr>
+        <p:cNvPr id="1" name=""/>
+        <p:cNvGrpSpPr/>
+        <p:nvPr/>
+      </p:nvGrpSpPr>
+      <p:grpSpPr>
+        <a:xfrm>
+          <a:off x="0" y="0"/>
+          <a:ext cx="0" cy="0"/>
+          <a:chOff x="0" y="0"/>
+          <a:chExt cx="0" cy="0"/>
+        </a:xfrm>
+      </p:grpSpPr>
+      <p:sp>
+        <p:nvSpPr>
           <p:cNvPr id="13" name="TextBox 12">
             <a:extLst>
               <a:ext uri="{FF2B5EF4-FFF2-40B4-BE49-F238E27FC236}">
@@ -3897,7 +3984,7 @@
 </p:sld>
 </file>
 
-<file path=ppt/slides/slide3.xml><?xml version="1.0" encoding="utf-8"?>
+<file path=ppt/slides/slide4.xml><?xml version="1.0" encoding="utf-8"?>
 <p:sld xmlns:a="http://schemas.openxmlformats.org/drawingml/2006/main" xmlns:r="http://schemas.openxmlformats.org/officeDocument/2006/relationships" xmlns:p="http://schemas.openxmlformats.org/presentationml/2006/main">
   <p:cSld>
     <p:spTree>
@@ -3965,7 +4052,7 @@
           <a:p>
             <a:pPr algn="ctr"/>
             <a:r>
-              <a:rPr lang="en-US" sz="3800" dirty="0"/>
+              <a:rPr lang="en-US" sz="3800" b="1" dirty="0"/>
               <a:t>40-95</a:t>
             </a:r>
           </a:p>
@@ -4029,7 +4116,7 @@
           <a:p>
             <a:pPr algn="ctr"/>
             <a:r>
-              <a:rPr lang="en-US" sz="4800" dirty="0"/>
+              <a:rPr lang="en-US" sz="4800" b="1" dirty="0"/>
               <a:t>35</a:t>
             </a:r>
             <a:r>
@@ -4097,7 +4184,7 @@
           <a:p>
             <a:pPr algn="ctr"/>
             <a:r>
-              <a:rPr lang="en-US" sz="4800" dirty="0"/>
+              <a:rPr lang="en-US" sz="4800" b="1" dirty="0"/>
               <a:t>31</a:t>
             </a:r>
             <a:r>
@@ -4170,7 +4257,7 @@
           <a:p>
             <a:pPr algn="ctr"/>
             <a:r>
-              <a:rPr lang="en-US" sz="4800" dirty="0"/>
+              <a:rPr lang="en-US" sz="4800" b="1" dirty="0"/>
               <a:t>44</a:t>
             </a:r>
             <a:r>
@@ -4242,7 +4329,7 @@
           <a:p>
             <a:pPr algn="ctr"/>
             <a:r>
-              <a:rPr lang="en-US" sz="4800" dirty="0"/>
+              <a:rPr lang="en-US" sz="4800" b="1" dirty="0"/>
               <a:t>36</a:t>
             </a:r>
             <a:r>
@@ -4310,7 +4397,7 @@
           <a:p>
             <a:pPr algn="ctr"/>
             <a:r>
-              <a:rPr lang="en-US" sz="4800" dirty="0"/>
+              <a:rPr lang="en-US" sz="4800" b="1" dirty="0"/>
               <a:t>47</a:t>
             </a:r>
             <a:r>
